--- a/毕业设计文档/开发文档/界面设计.pptx
+++ b/毕业设计文档/开发文档/界面设计.pptx
@@ -9,8 +9,10 @@
     <p:sldId id="263" r:id="rId3"/>
     <p:sldId id="262" r:id="rId4"/>
     <p:sldId id="259" r:id="rId5"/>
-    <p:sldId id="260" r:id="rId6"/>
-    <p:sldId id="261" r:id="rId7"/>
+    <p:sldId id="264" r:id="rId6"/>
+    <p:sldId id="265" r:id="rId7"/>
+    <p:sldId id="260" r:id="rId8"/>
+    <p:sldId id="261" r:id="rId9"/>
   </p:sldIdLst>
   <p:sldSz cx="12192000" cy="6858000"/>
   <p:notesSz cx="6858000" cy="9144000"/>
@@ -109,6 +111,11 @@
       </a:defRPr>
     </a:lvl9pPr>
   </p:defaultTextStyle>
+  <p:extLst>
+    <p:ext uri="{EFAFB233-063F-42B5-8137-9DF3F51BA10A}">
+      <p15:sldGuideLst xmlns:p15="http://schemas.microsoft.com/office/powerpoint/2012/main"/>
+    </p:ext>
+  </p:extLst>
 </p:presentation>
 </file>
 
@@ -154,10 +161,9 @@
           </a:lstStyle>
           <a:p>
             <a:r>
-              <a:rPr lang="zh-CN" altLang="en-US" smtClean="0"/>
+              <a:rPr lang="zh-CN" altLang="en-US"/>
               <a:t>单击此处编辑母版标题样式</a:t>
             </a:r>
-            <a:endParaRPr lang="zh-CN" altLang="en-US"/>
           </a:p>
         </p:txBody>
       </p:sp>
@@ -219,10 +225,9 @@
           </a:lstStyle>
           <a:p>
             <a:r>
-              <a:rPr lang="zh-CN" altLang="en-US" smtClean="0"/>
+              <a:rPr lang="zh-CN" altLang="en-US"/>
               <a:t>单击此处编辑母版副标题样式</a:t>
             </a:r>
-            <a:endParaRPr lang="zh-CN" altLang="en-US"/>
           </a:p>
         </p:txBody>
       </p:sp>
@@ -243,7 +248,7 @@
           <a:p>
             <a:fld id="{57E08410-A32B-4166-9C97-E3C7B716FBF3}" type="datetimeFigureOut">
               <a:rPr lang="zh-CN" altLang="en-US" smtClean="0"/>
-              <a:t>2016/11/19</a:t>
+              <a:t>2017/1/1</a:t>
             </a:fld>
             <a:endParaRPr lang="zh-CN" altLang="en-US"/>
           </a:p>
@@ -337,10 +342,9 @@
           <a:lstStyle/>
           <a:p>
             <a:r>
-              <a:rPr lang="zh-CN" altLang="en-US" smtClean="0"/>
+              <a:rPr lang="zh-CN" altLang="en-US"/>
               <a:t>单击此处编辑母版标题样式</a:t>
             </a:r>
-            <a:endParaRPr lang="zh-CN" altLang="en-US"/>
           </a:p>
         </p:txBody>
       </p:sp>
@@ -361,38 +365,37 @@
           <a:p>
             <a:pPr lvl="0"/>
             <a:r>
-              <a:rPr lang="zh-CN" altLang="en-US" smtClean="0"/>
+              <a:rPr lang="zh-CN" altLang="en-US"/>
               <a:t>单击此处编辑母版文本样式</a:t>
             </a:r>
           </a:p>
           <a:p>
             <a:pPr lvl="1"/>
             <a:r>
-              <a:rPr lang="zh-CN" altLang="en-US" smtClean="0"/>
+              <a:rPr lang="zh-CN" altLang="en-US"/>
               <a:t>第二级</a:t>
             </a:r>
           </a:p>
           <a:p>
             <a:pPr lvl="2"/>
             <a:r>
-              <a:rPr lang="zh-CN" altLang="en-US" smtClean="0"/>
+              <a:rPr lang="zh-CN" altLang="en-US"/>
               <a:t>第三级</a:t>
             </a:r>
           </a:p>
           <a:p>
             <a:pPr lvl="3"/>
             <a:r>
-              <a:rPr lang="zh-CN" altLang="en-US" smtClean="0"/>
+              <a:rPr lang="zh-CN" altLang="en-US"/>
               <a:t>第四级</a:t>
             </a:r>
           </a:p>
           <a:p>
             <a:pPr lvl="4"/>
             <a:r>
-              <a:rPr lang="zh-CN" altLang="en-US" smtClean="0"/>
+              <a:rPr lang="zh-CN" altLang="en-US"/>
               <a:t>第五级</a:t>
             </a:r>
-            <a:endParaRPr lang="zh-CN" altLang="en-US"/>
           </a:p>
         </p:txBody>
       </p:sp>
@@ -413,7 +416,7 @@
           <a:p>
             <a:fld id="{57E08410-A32B-4166-9C97-E3C7B716FBF3}" type="datetimeFigureOut">
               <a:rPr lang="zh-CN" altLang="en-US" smtClean="0"/>
-              <a:t>2016/11/19</a:t>
+              <a:t>2017/1/1</a:t>
             </a:fld>
             <a:endParaRPr lang="zh-CN" altLang="en-US"/>
           </a:p>
@@ -512,10 +515,9 @@
           <a:lstStyle/>
           <a:p>
             <a:r>
-              <a:rPr lang="zh-CN" altLang="en-US" smtClean="0"/>
+              <a:rPr lang="zh-CN" altLang="en-US"/>
               <a:t>单击此处编辑母版标题样式</a:t>
             </a:r>
-            <a:endParaRPr lang="zh-CN" altLang="en-US"/>
           </a:p>
         </p:txBody>
       </p:sp>
@@ -541,38 +543,37 @@
           <a:p>
             <a:pPr lvl="0"/>
             <a:r>
-              <a:rPr lang="zh-CN" altLang="en-US" smtClean="0"/>
+              <a:rPr lang="zh-CN" altLang="en-US"/>
               <a:t>单击此处编辑母版文本样式</a:t>
             </a:r>
           </a:p>
           <a:p>
             <a:pPr lvl="1"/>
             <a:r>
-              <a:rPr lang="zh-CN" altLang="en-US" smtClean="0"/>
+              <a:rPr lang="zh-CN" altLang="en-US"/>
               <a:t>第二级</a:t>
             </a:r>
           </a:p>
           <a:p>
             <a:pPr lvl="2"/>
             <a:r>
-              <a:rPr lang="zh-CN" altLang="en-US" smtClean="0"/>
+              <a:rPr lang="zh-CN" altLang="en-US"/>
               <a:t>第三级</a:t>
             </a:r>
           </a:p>
           <a:p>
             <a:pPr lvl="3"/>
             <a:r>
-              <a:rPr lang="zh-CN" altLang="en-US" smtClean="0"/>
+              <a:rPr lang="zh-CN" altLang="en-US"/>
               <a:t>第四级</a:t>
             </a:r>
           </a:p>
           <a:p>
             <a:pPr lvl="4"/>
             <a:r>
-              <a:rPr lang="zh-CN" altLang="en-US" smtClean="0"/>
+              <a:rPr lang="zh-CN" altLang="en-US"/>
               <a:t>第五级</a:t>
             </a:r>
-            <a:endParaRPr lang="zh-CN" altLang="en-US"/>
           </a:p>
         </p:txBody>
       </p:sp>
@@ -593,7 +594,7 @@
           <a:p>
             <a:fld id="{57E08410-A32B-4166-9C97-E3C7B716FBF3}" type="datetimeFigureOut">
               <a:rPr lang="zh-CN" altLang="en-US" smtClean="0"/>
-              <a:t>2016/11/19</a:t>
+              <a:t>2017/1/1</a:t>
             </a:fld>
             <a:endParaRPr lang="zh-CN" altLang="en-US"/>
           </a:p>
@@ -687,10 +688,9 @@
           <a:lstStyle/>
           <a:p>
             <a:r>
-              <a:rPr lang="zh-CN" altLang="en-US" smtClean="0"/>
+              <a:rPr lang="zh-CN" altLang="en-US"/>
               <a:t>单击此处编辑母版标题样式</a:t>
             </a:r>
-            <a:endParaRPr lang="zh-CN" altLang="en-US"/>
           </a:p>
         </p:txBody>
       </p:sp>
@@ -711,38 +711,37 @@
           <a:p>
             <a:pPr lvl="0"/>
             <a:r>
-              <a:rPr lang="zh-CN" altLang="en-US" smtClean="0"/>
+              <a:rPr lang="zh-CN" altLang="en-US"/>
               <a:t>单击此处编辑母版文本样式</a:t>
             </a:r>
           </a:p>
           <a:p>
             <a:pPr lvl="1"/>
             <a:r>
-              <a:rPr lang="zh-CN" altLang="en-US" smtClean="0"/>
+              <a:rPr lang="zh-CN" altLang="en-US"/>
               <a:t>第二级</a:t>
             </a:r>
           </a:p>
           <a:p>
             <a:pPr lvl="2"/>
             <a:r>
-              <a:rPr lang="zh-CN" altLang="en-US" smtClean="0"/>
+              <a:rPr lang="zh-CN" altLang="en-US"/>
               <a:t>第三级</a:t>
             </a:r>
           </a:p>
           <a:p>
             <a:pPr lvl="3"/>
             <a:r>
-              <a:rPr lang="zh-CN" altLang="en-US" smtClean="0"/>
+              <a:rPr lang="zh-CN" altLang="en-US"/>
               <a:t>第四级</a:t>
             </a:r>
           </a:p>
           <a:p>
             <a:pPr lvl="4"/>
             <a:r>
-              <a:rPr lang="zh-CN" altLang="en-US" smtClean="0"/>
+              <a:rPr lang="zh-CN" altLang="en-US"/>
               <a:t>第五级</a:t>
             </a:r>
-            <a:endParaRPr lang="zh-CN" altLang="en-US"/>
           </a:p>
         </p:txBody>
       </p:sp>
@@ -763,7 +762,7 @@
           <a:p>
             <a:fld id="{57E08410-A32B-4166-9C97-E3C7B716FBF3}" type="datetimeFigureOut">
               <a:rPr lang="zh-CN" altLang="en-US" smtClean="0"/>
-              <a:t>2016/11/19</a:t>
+              <a:t>2017/1/1</a:t>
             </a:fld>
             <a:endParaRPr lang="zh-CN" altLang="en-US"/>
           </a:p>
@@ -866,10 +865,9 @@
           </a:lstStyle>
           <a:p>
             <a:r>
-              <a:rPr lang="zh-CN" altLang="en-US" smtClean="0"/>
+              <a:rPr lang="zh-CN" altLang="en-US"/>
               <a:t>单击此处编辑母版标题样式</a:t>
             </a:r>
-            <a:endParaRPr lang="zh-CN" altLang="en-US"/>
           </a:p>
         </p:txBody>
       </p:sp>
@@ -986,7 +984,7 @@
           <a:p>
             <a:pPr lvl="0"/>
             <a:r>
-              <a:rPr lang="zh-CN" altLang="en-US" smtClean="0"/>
+              <a:rPr lang="zh-CN" altLang="en-US"/>
               <a:t>单击此处编辑母版文本样式</a:t>
             </a:r>
           </a:p>
@@ -1009,7 +1007,7 @@
           <a:p>
             <a:fld id="{57E08410-A32B-4166-9C97-E3C7B716FBF3}" type="datetimeFigureOut">
               <a:rPr lang="zh-CN" altLang="en-US" smtClean="0"/>
-              <a:t>2016/11/19</a:t>
+              <a:t>2017/1/1</a:t>
             </a:fld>
             <a:endParaRPr lang="zh-CN" altLang="en-US"/>
           </a:p>
@@ -1103,10 +1101,9 @@
           <a:lstStyle/>
           <a:p>
             <a:r>
-              <a:rPr lang="zh-CN" altLang="en-US" smtClean="0"/>
+              <a:rPr lang="zh-CN" altLang="en-US"/>
               <a:t>单击此处编辑母版标题样式</a:t>
             </a:r>
-            <a:endParaRPr lang="zh-CN" altLang="en-US"/>
           </a:p>
         </p:txBody>
       </p:sp>
@@ -1132,38 +1129,37 @@
           <a:p>
             <a:pPr lvl="0"/>
             <a:r>
-              <a:rPr lang="zh-CN" altLang="en-US" smtClean="0"/>
+              <a:rPr lang="zh-CN" altLang="en-US"/>
               <a:t>单击此处编辑母版文本样式</a:t>
             </a:r>
           </a:p>
           <a:p>
             <a:pPr lvl="1"/>
             <a:r>
-              <a:rPr lang="zh-CN" altLang="en-US" smtClean="0"/>
+              <a:rPr lang="zh-CN" altLang="en-US"/>
               <a:t>第二级</a:t>
             </a:r>
           </a:p>
           <a:p>
             <a:pPr lvl="2"/>
             <a:r>
-              <a:rPr lang="zh-CN" altLang="en-US" smtClean="0"/>
+              <a:rPr lang="zh-CN" altLang="en-US"/>
               <a:t>第三级</a:t>
             </a:r>
           </a:p>
           <a:p>
             <a:pPr lvl="3"/>
             <a:r>
-              <a:rPr lang="zh-CN" altLang="en-US" smtClean="0"/>
+              <a:rPr lang="zh-CN" altLang="en-US"/>
               <a:t>第四级</a:t>
             </a:r>
           </a:p>
           <a:p>
             <a:pPr lvl="4"/>
             <a:r>
-              <a:rPr lang="zh-CN" altLang="en-US" smtClean="0"/>
+              <a:rPr lang="zh-CN" altLang="en-US"/>
               <a:t>第五级</a:t>
             </a:r>
-            <a:endParaRPr lang="zh-CN" altLang="en-US"/>
           </a:p>
         </p:txBody>
       </p:sp>
@@ -1189,38 +1185,37 @@
           <a:p>
             <a:pPr lvl="0"/>
             <a:r>
-              <a:rPr lang="zh-CN" altLang="en-US" smtClean="0"/>
+              <a:rPr lang="zh-CN" altLang="en-US"/>
               <a:t>单击此处编辑母版文本样式</a:t>
             </a:r>
           </a:p>
           <a:p>
             <a:pPr lvl="1"/>
             <a:r>
-              <a:rPr lang="zh-CN" altLang="en-US" smtClean="0"/>
+              <a:rPr lang="zh-CN" altLang="en-US"/>
               <a:t>第二级</a:t>
             </a:r>
           </a:p>
           <a:p>
             <a:pPr lvl="2"/>
             <a:r>
-              <a:rPr lang="zh-CN" altLang="en-US" smtClean="0"/>
+              <a:rPr lang="zh-CN" altLang="en-US"/>
               <a:t>第三级</a:t>
             </a:r>
           </a:p>
           <a:p>
             <a:pPr lvl="3"/>
             <a:r>
-              <a:rPr lang="zh-CN" altLang="en-US" smtClean="0"/>
+              <a:rPr lang="zh-CN" altLang="en-US"/>
               <a:t>第四级</a:t>
             </a:r>
           </a:p>
           <a:p>
             <a:pPr lvl="4"/>
             <a:r>
-              <a:rPr lang="zh-CN" altLang="en-US" smtClean="0"/>
+              <a:rPr lang="zh-CN" altLang="en-US"/>
               <a:t>第五级</a:t>
             </a:r>
-            <a:endParaRPr lang="zh-CN" altLang="en-US"/>
           </a:p>
         </p:txBody>
       </p:sp>
@@ -1241,7 +1236,7 @@
           <a:p>
             <a:fld id="{57E08410-A32B-4166-9C97-E3C7B716FBF3}" type="datetimeFigureOut">
               <a:rPr lang="zh-CN" altLang="en-US" smtClean="0"/>
-              <a:t>2016/11/19</a:t>
+              <a:t>2017/1/1</a:t>
             </a:fld>
             <a:endParaRPr lang="zh-CN" altLang="en-US"/>
           </a:p>
@@ -1340,10 +1335,9 @@
           <a:lstStyle/>
           <a:p>
             <a:r>
-              <a:rPr lang="zh-CN" altLang="en-US" smtClean="0"/>
+              <a:rPr lang="zh-CN" altLang="en-US"/>
               <a:t>单击此处编辑母版标题样式</a:t>
             </a:r>
-            <a:endParaRPr lang="zh-CN" altLang="en-US"/>
           </a:p>
         </p:txBody>
       </p:sp>
@@ -1406,7 +1400,7 @@
           <a:p>
             <a:pPr lvl="0"/>
             <a:r>
-              <a:rPr lang="zh-CN" altLang="en-US" smtClean="0"/>
+              <a:rPr lang="zh-CN" altLang="en-US"/>
               <a:t>单击此处编辑母版文本样式</a:t>
             </a:r>
           </a:p>
@@ -1434,38 +1428,37 @@
           <a:p>
             <a:pPr lvl="0"/>
             <a:r>
-              <a:rPr lang="zh-CN" altLang="en-US" smtClean="0"/>
+              <a:rPr lang="zh-CN" altLang="en-US"/>
               <a:t>单击此处编辑母版文本样式</a:t>
             </a:r>
           </a:p>
           <a:p>
             <a:pPr lvl="1"/>
             <a:r>
-              <a:rPr lang="zh-CN" altLang="en-US" smtClean="0"/>
+              <a:rPr lang="zh-CN" altLang="en-US"/>
               <a:t>第二级</a:t>
             </a:r>
           </a:p>
           <a:p>
             <a:pPr lvl="2"/>
             <a:r>
-              <a:rPr lang="zh-CN" altLang="en-US" smtClean="0"/>
+              <a:rPr lang="zh-CN" altLang="en-US"/>
               <a:t>第三级</a:t>
             </a:r>
           </a:p>
           <a:p>
             <a:pPr lvl="3"/>
             <a:r>
-              <a:rPr lang="zh-CN" altLang="en-US" smtClean="0"/>
+              <a:rPr lang="zh-CN" altLang="en-US"/>
               <a:t>第四级</a:t>
             </a:r>
           </a:p>
           <a:p>
             <a:pPr lvl="4"/>
             <a:r>
-              <a:rPr lang="zh-CN" altLang="en-US" smtClean="0"/>
+              <a:rPr lang="zh-CN" altLang="en-US"/>
               <a:t>第五级</a:t>
             </a:r>
-            <a:endParaRPr lang="zh-CN" altLang="en-US"/>
           </a:p>
         </p:txBody>
       </p:sp>
@@ -1528,7 +1521,7 @@
           <a:p>
             <a:pPr lvl="0"/>
             <a:r>
-              <a:rPr lang="zh-CN" altLang="en-US" smtClean="0"/>
+              <a:rPr lang="zh-CN" altLang="en-US"/>
               <a:t>单击此处编辑母版文本样式</a:t>
             </a:r>
           </a:p>
@@ -1556,38 +1549,37 @@
           <a:p>
             <a:pPr lvl="0"/>
             <a:r>
-              <a:rPr lang="zh-CN" altLang="en-US" smtClean="0"/>
+              <a:rPr lang="zh-CN" altLang="en-US"/>
               <a:t>单击此处编辑母版文本样式</a:t>
             </a:r>
           </a:p>
           <a:p>
             <a:pPr lvl="1"/>
             <a:r>
-              <a:rPr lang="zh-CN" altLang="en-US" smtClean="0"/>
+              <a:rPr lang="zh-CN" altLang="en-US"/>
               <a:t>第二级</a:t>
             </a:r>
           </a:p>
           <a:p>
             <a:pPr lvl="2"/>
             <a:r>
-              <a:rPr lang="zh-CN" altLang="en-US" smtClean="0"/>
+              <a:rPr lang="zh-CN" altLang="en-US"/>
               <a:t>第三级</a:t>
             </a:r>
           </a:p>
           <a:p>
             <a:pPr lvl="3"/>
             <a:r>
-              <a:rPr lang="zh-CN" altLang="en-US" smtClean="0"/>
+              <a:rPr lang="zh-CN" altLang="en-US"/>
               <a:t>第四级</a:t>
             </a:r>
           </a:p>
           <a:p>
             <a:pPr lvl="4"/>
             <a:r>
-              <a:rPr lang="zh-CN" altLang="en-US" smtClean="0"/>
+              <a:rPr lang="zh-CN" altLang="en-US"/>
               <a:t>第五级</a:t>
             </a:r>
-            <a:endParaRPr lang="zh-CN" altLang="en-US"/>
           </a:p>
         </p:txBody>
       </p:sp>
@@ -1608,7 +1600,7 @@
           <a:p>
             <a:fld id="{57E08410-A32B-4166-9C97-E3C7B716FBF3}" type="datetimeFigureOut">
               <a:rPr lang="zh-CN" altLang="en-US" smtClean="0"/>
-              <a:t>2016/11/19</a:t>
+              <a:t>2017/1/1</a:t>
             </a:fld>
             <a:endParaRPr lang="zh-CN" altLang="en-US"/>
           </a:p>
@@ -1702,10 +1694,9 @@
           <a:lstStyle/>
           <a:p>
             <a:r>
-              <a:rPr lang="zh-CN" altLang="en-US" smtClean="0"/>
+              <a:rPr lang="zh-CN" altLang="en-US"/>
               <a:t>单击此处编辑母版标题样式</a:t>
             </a:r>
-            <a:endParaRPr lang="zh-CN" altLang="en-US"/>
           </a:p>
         </p:txBody>
       </p:sp>
@@ -1726,7 +1717,7 @@
           <a:p>
             <a:fld id="{57E08410-A32B-4166-9C97-E3C7B716FBF3}" type="datetimeFigureOut">
               <a:rPr lang="zh-CN" altLang="en-US" smtClean="0"/>
-              <a:t>2016/11/19</a:t>
+              <a:t>2017/1/1</a:t>
             </a:fld>
             <a:endParaRPr lang="zh-CN" altLang="en-US"/>
           </a:p>
@@ -1821,7 +1812,7 @@
           <a:p>
             <a:fld id="{57E08410-A32B-4166-9C97-E3C7B716FBF3}" type="datetimeFigureOut">
               <a:rPr lang="zh-CN" altLang="en-US" smtClean="0"/>
-              <a:t>2016/11/19</a:t>
+              <a:t>2017/1/1</a:t>
             </a:fld>
             <a:endParaRPr lang="zh-CN" altLang="en-US"/>
           </a:p>
@@ -1924,10 +1915,9 @@
           </a:lstStyle>
           <a:p>
             <a:r>
-              <a:rPr lang="zh-CN" altLang="en-US" smtClean="0"/>
+              <a:rPr lang="zh-CN" altLang="en-US"/>
               <a:t>单击此处编辑母版标题样式</a:t>
             </a:r>
-            <a:endParaRPr lang="zh-CN" altLang="en-US"/>
           </a:p>
         </p:txBody>
       </p:sp>
@@ -1981,38 +1971,37 @@
           <a:p>
             <a:pPr lvl="0"/>
             <a:r>
-              <a:rPr lang="zh-CN" altLang="en-US" smtClean="0"/>
+              <a:rPr lang="zh-CN" altLang="en-US"/>
               <a:t>单击此处编辑母版文本样式</a:t>
             </a:r>
           </a:p>
           <a:p>
             <a:pPr lvl="1"/>
             <a:r>
-              <a:rPr lang="zh-CN" altLang="en-US" smtClean="0"/>
+              <a:rPr lang="zh-CN" altLang="en-US"/>
               <a:t>第二级</a:t>
             </a:r>
           </a:p>
           <a:p>
             <a:pPr lvl="2"/>
             <a:r>
-              <a:rPr lang="zh-CN" altLang="en-US" smtClean="0"/>
+              <a:rPr lang="zh-CN" altLang="en-US"/>
               <a:t>第三级</a:t>
             </a:r>
           </a:p>
           <a:p>
             <a:pPr lvl="3"/>
             <a:r>
-              <a:rPr lang="zh-CN" altLang="en-US" smtClean="0"/>
+              <a:rPr lang="zh-CN" altLang="en-US"/>
               <a:t>第四级</a:t>
             </a:r>
           </a:p>
           <a:p>
             <a:pPr lvl="4"/>
             <a:r>
-              <a:rPr lang="zh-CN" altLang="en-US" smtClean="0"/>
+              <a:rPr lang="zh-CN" altLang="en-US"/>
               <a:t>第五级</a:t>
             </a:r>
-            <a:endParaRPr lang="zh-CN" altLang="en-US"/>
           </a:p>
         </p:txBody>
       </p:sp>
@@ -2075,7 +2064,7 @@
           <a:p>
             <a:pPr lvl="0"/>
             <a:r>
-              <a:rPr lang="zh-CN" altLang="en-US" smtClean="0"/>
+              <a:rPr lang="zh-CN" altLang="en-US"/>
               <a:t>单击此处编辑母版文本样式</a:t>
             </a:r>
           </a:p>
@@ -2098,7 +2087,7 @@
           <a:p>
             <a:fld id="{57E08410-A32B-4166-9C97-E3C7B716FBF3}" type="datetimeFigureOut">
               <a:rPr lang="zh-CN" altLang="en-US" smtClean="0"/>
-              <a:t>2016/11/19</a:t>
+              <a:t>2017/1/1</a:t>
             </a:fld>
             <a:endParaRPr lang="zh-CN" altLang="en-US"/>
           </a:p>
@@ -2201,10 +2190,9 @@
           </a:lstStyle>
           <a:p>
             <a:r>
-              <a:rPr lang="zh-CN" altLang="en-US" smtClean="0"/>
+              <a:rPr lang="zh-CN" altLang="en-US"/>
               <a:t>单击此处编辑母版标题样式</a:t>
             </a:r>
-            <a:endParaRPr lang="zh-CN" altLang="en-US"/>
           </a:p>
         </p:txBody>
       </p:sp>
@@ -2328,7 +2316,7 @@
           <a:p>
             <a:pPr lvl="0"/>
             <a:r>
-              <a:rPr lang="zh-CN" altLang="en-US" smtClean="0"/>
+              <a:rPr lang="zh-CN" altLang="en-US"/>
               <a:t>单击此处编辑母版文本样式</a:t>
             </a:r>
           </a:p>
@@ -2351,7 +2339,7 @@
           <a:p>
             <a:fld id="{57E08410-A32B-4166-9C97-E3C7B716FBF3}" type="datetimeFigureOut">
               <a:rPr lang="zh-CN" altLang="en-US" smtClean="0"/>
-              <a:t>2016/11/19</a:t>
+              <a:t>2017/1/1</a:t>
             </a:fld>
             <a:endParaRPr lang="zh-CN" altLang="en-US"/>
           </a:p>
@@ -2460,10 +2448,9 @@
           <a:lstStyle/>
           <a:p>
             <a:r>
-              <a:rPr lang="zh-CN" altLang="en-US" smtClean="0"/>
+              <a:rPr lang="zh-CN" altLang="en-US"/>
               <a:t>单击此处编辑母版标题样式</a:t>
             </a:r>
-            <a:endParaRPr lang="zh-CN" altLang="en-US"/>
           </a:p>
         </p:txBody>
       </p:sp>
@@ -2494,38 +2481,37 @@
           <a:p>
             <a:pPr lvl="0"/>
             <a:r>
-              <a:rPr lang="zh-CN" altLang="en-US" smtClean="0"/>
+              <a:rPr lang="zh-CN" altLang="en-US"/>
               <a:t>单击此处编辑母版文本样式</a:t>
             </a:r>
           </a:p>
           <a:p>
             <a:pPr lvl="1"/>
             <a:r>
-              <a:rPr lang="zh-CN" altLang="en-US" smtClean="0"/>
+              <a:rPr lang="zh-CN" altLang="en-US"/>
               <a:t>第二级</a:t>
             </a:r>
           </a:p>
           <a:p>
             <a:pPr lvl="2"/>
             <a:r>
-              <a:rPr lang="zh-CN" altLang="en-US" smtClean="0"/>
+              <a:rPr lang="zh-CN" altLang="en-US"/>
               <a:t>第三级</a:t>
             </a:r>
           </a:p>
           <a:p>
             <a:pPr lvl="3"/>
             <a:r>
-              <a:rPr lang="zh-CN" altLang="en-US" smtClean="0"/>
+              <a:rPr lang="zh-CN" altLang="en-US"/>
               <a:t>第四级</a:t>
             </a:r>
           </a:p>
           <a:p>
             <a:pPr lvl="4"/>
             <a:r>
-              <a:rPr lang="zh-CN" altLang="en-US" smtClean="0"/>
+              <a:rPr lang="zh-CN" altLang="en-US"/>
               <a:t>第五级</a:t>
             </a:r>
-            <a:endParaRPr lang="zh-CN" altLang="en-US"/>
           </a:p>
         </p:txBody>
       </p:sp>
@@ -2564,7 +2550,7 @@
           <a:p>
             <a:fld id="{57E08410-A32B-4166-9C97-E3C7B716FBF3}" type="datetimeFigureOut">
               <a:rPr lang="zh-CN" altLang="en-US" smtClean="0"/>
-              <a:t>2016/11/19</a:t>
+              <a:t>2017/1/1</a:t>
             </a:fld>
             <a:endParaRPr lang="zh-CN" altLang="en-US"/>
           </a:p>
@@ -3046,10 +3032,9 @@
           <a:p>
             <a:pPr algn="ctr"/>
             <a:r>
-              <a:rPr lang="zh-CN" altLang="en-US" dirty="0" smtClean="0"/>
+              <a:rPr lang="zh-CN" altLang="en-US" dirty="0"/>
               <a:t>菜单导航</a:t>
             </a:r>
-            <a:endParaRPr lang="zh-CN" altLang="en-US" dirty="0"/>
           </a:p>
         </p:txBody>
       </p:sp>
@@ -3090,10 +3075,9 @@
           <a:p>
             <a:pPr algn="ctr"/>
             <a:r>
-              <a:rPr lang="zh-CN" altLang="en-US" dirty="0" smtClean="0"/>
+              <a:rPr lang="zh-CN" altLang="en-US" dirty="0"/>
               <a:t>巨幕滚动区</a:t>
             </a:r>
-            <a:endParaRPr lang="zh-CN" altLang="en-US" dirty="0"/>
           </a:p>
         </p:txBody>
       </p:sp>
@@ -3134,10 +3118,9 @@
           <a:p>
             <a:pPr algn="ctr"/>
             <a:r>
-              <a:rPr lang="zh-CN" altLang="en-US" dirty="0" smtClean="0"/>
+              <a:rPr lang="zh-CN" altLang="en-US" dirty="0"/>
               <a:t>消息通知区</a:t>
             </a:r>
-            <a:endParaRPr lang="zh-CN" altLang="en-US" dirty="0"/>
           </a:p>
         </p:txBody>
       </p:sp>
@@ -3164,10 +3147,9 @@
           <a:lstStyle/>
           <a:p>
             <a:r>
-              <a:rPr lang="zh-CN" altLang="en-US" dirty="0" smtClean="0"/>
+              <a:rPr lang="zh-CN" altLang="en-US" dirty="0"/>
               <a:t>首页</a:t>
             </a:r>
-            <a:endParaRPr lang="zh-CN" altLang="en-US" dirty="0"/>
           </a:p>
         </p:txBody>
       </p:sp>
@@ -3208,10 +3190,9 @@
           <a:p>
             <a:pPr algn="ctr"/>
             <a:r>
-              <a:rPr lang="zh-CN" altLang="en-US" dirty="0" smtClean="0"/>
+              <a:rPr lang="zh-CN" altLang="en-US" dirty="0"/>
               <a:t>底部</a:t>
             </a:r>
-            <a:endParaRPr lang="zh-CN" altLang="en-US" dirty="0"/>
           </a:p>
         </p:txBody>
       </p:sp>
@@ -3322,10 +3303,9 @@
           <a:p>
             <a:pPr algn="ctr"/>
             <a:r>
-              <a:rPr lang="zh-CN" altLang="en-US" dirty="0" smtClean="0"/>
+              <a:rPr lang="zh-CN" altLang="en-US" dirty="0"/>
               <a:t>菜单导航</a:t>
             </a:r>
-            <a:endParaRPr lang="zh-CN" altLang="en-US" dirty="0"/>
           </a:p>
         </p:txBody>
       </p:sp>
@@ -3435,11 +3415,11 @@
           <a:p>
             <a:pPr algn="ctr"/>
             <a:r>
-              <a:rPr lang="zh-CN" altLang="en-US" dirty="0" smtClean="0"/>
+              <a:rPr lang="zh-CN" altLang="en-US" dirty="0"/>
               <a:t>附件文档</a:t>
             </a:r>
             <a:r>
-              <a:rPr lang="en-US" altLang="zh-CN" dirty="0" smtClean="0"/>
+              <a:rPr lang="en-US" altLang="zh-CN" dirty="0"/>
               <a:t>1</a:t>
             </a:r>
             <a:endParaRPr lang="zh-CN" altLang="en-US" dirty="0"/>
@@ -3483,14 +3463,14 @@
           <a:p>
             <a:pPr algn="ctr"/>
             <a:r>
-              <a:rPr lang="zh-CN" altLang="en-US" dirty="0" smtClean="0"/>
+              <a:rPr lang="zh-CN" altLang="en-US" dirty="0"/>
               <a:t>附件文档</a:t>
             </a:r>
             <a:r>
               <a:rPr lang="en-US" altLang="zh-CN" dirty="0"/>
               <a:t>2</a:t>
             </a:r>
-            <a:endParaRPr lang="zh-CN" altLang="en-US" dirty="0" smtClean="0"/>
+            <a:endParaRPr lang="zh-CN" altLang="en-US" dirty="0"/>
           </a:p>
           <a:p>
             <a:pPr algn="ctr"/>
@@ -3535,14 +3515,14 @@
           <a:p>
             <a:pPr algn="ctr"/>
             <a:r>
-              <a:rPr lang="zh-CN" altLang="en-US" dirty="0" smtClean="0"/>
+              <a:rPr lang="zh-CN" altLang="en-US" dirty="0"/>
               <a:t>附件文档</a:t>
             </a:r>
             <a:r>
               <a:rPr lang="en-US" altLang="zh-CN" dirty="0"/>
               <a:t>3</a:t>
             </a:r>
-            <a:endParaRPr lang="zh-CN" altLang="en-US" dirty="0" smtClean="0"/>
+            <a:endParaRPr lang="zh-CN" altLang="en-US" dirty="0"/>
           </a:p>
           <a:p>
             <a:pPr algn="ctr"/>
@@ -3587,10 +3567,9 @@
           <a:p>
             <a:pPr algn="ctr"/>
             <a:r>
-              <a:rPr lang="zh-CN" altLang="en-US" dirty="0" smtClean="0"/>
+              <a:rPr lang="zh-CN" altLang="en-US" dirty="0"/>
               <a:t>底部</a:t>
             </a:r>
-            <a:endParaRPr lang="zh-CN" altLang="en-US" dirty="0"/>
           </a:p>
         </p:txBody>
       </p:sp>
@@ -3631,10 +3610,10 @@
           <a:p>
             <a:pPr algn="ctr"/>
             <a:r>
-              <a:rPr lang="zh-CN" altLang="en-US" dirty="0" smtClean="0"/>
+              <a:rPr lang="zh-CN" altLang="en-US" dirty="0"/>
               <a:t>下载</a:t>
             </a:r>
-            <a:endParaRPr lang="en-US" altLang="zh-CN" dirty="0" smtClean="0"/>
+            <a:endParaRPr lang="en-US" altLang="zh-CN" dirty="0"/>
           </a:p>
           <a:p>
             <a:pPr algn="ctr"/>
@@ -3642,7 +3621,7 @@
               <a:rPr lang="zh-CN" altLang="en-US" dirty="0"/>
               <a:t>预览</a:t>
             </a:r>
-            <a:endParaRPr lang="en-US" altLang="zh-CN" dirty="0" smtClean="0"/>
+            <a:endParaRPr lang="en-US" altLang="zh-CN" dirty="0"/>
           </a:p>
           <a:p>
             <a:pPr algn="ctr"/>
@@ -3674,21 +3653,16 @@
           <a:p>
             <a:r>
               <a:rPr lang="zh-CN" altLang="en-US" dirty="0"/>
-              <a:t>作业</a:t>
-            </a:r>
-            <a:r>
-              <a:rPr lang="zh-CN" altLang="en-US" dirty="0" smtClean="0"/>
-              <a:t>有标题</a:t>
-            </a:r>
-            <a:r>
-              <a:rPr lang="en-US" altLang="zh-CN" dirty="0" smtClean="0"/>
+              <a:t>作业有标题</a:t>
+            </a:r>
+            <a:r>
+              <a:rPr lang="en-US" altLang="zh-CN" dirty="0"/>
               <a:t>+</a:t>
             </a:r>
             <a:r>
-              <a:rPr lang="zh-CN" altLang="en-US" dirty="0" smtClean="0"/>
+              <a:rPr lang="zh-CN" altLang="en-US" dirty="0"/>
               <a:t>描述两个三个属性，显示附件时，一开始只显示标题，点击标题可以看到内容</a:t>
             </a:r>
-            <a:endParaRPr lang="zh-CN" altLang="en-US" dirty="0"/>
           </a:p>
         </p:txBody>
       </p:sp>
@@ -3799,10 +3773,9 @@
           <a:p>
             <a:pPr algn="ctr"/>
             <a:r>
-              <a:rPr lang="zh-CN" altLang="en-US" dirty="0" smtClean="0"/>
+              <a:rPr lang="zh-CN" altLang="en-US" dirty="0"/>
               <a:t>菜单导航</a:t>
             </a:r>
-            <a:endParaRPr lang="zh-CN" altLang="en-US" dirty="0"/>
           </a:p>
         </p:txBody>
       </p:sp>
@@ -3869,10 +3842,9 @@
           <a:lstStyle/>
           <a:p>
             <a:r>
-              <a:rPr lang="zh-CN" altLang="en-US" dirty="0" smtClean="0"/>
+              <a:rPr lang="zh-CN" altLang="en-US" dirty="0"/>
               <a:t>首页</a:t>
             </a:r>
-            <a:endParaRPr lang="zh-CN" altLang="en-US" dirty="0"/>
           </a:p>
         </p:txBody>
       </p:sp>
@@ -3913,11 +3885,11 @@
           <a:p>
             <a:pPr algn="ctr"/>
             <a:r>
-              <a:rPr lang="zh-CN" altLang="en-US" dirty="0" smtClean="0"/>
+              <a:rPr lang="zh-CN" altLang="en-US" dirty="0"/>
               <a:t>附件文档</a:t>
             </a:r>
             <a:r>
-              <a:rPr lang="en-US" altLang="zh-CN" dirty="0" smtClean="0"/>
+              <a:rPr lang="en-US" altLang="zh-CN" dirty="0"/>
               <a:t>1</a:t>
             </a:r>
             <a:endParaRPr lang="zh-CN" altLang="en-US" dirty="0"/>
@@ -3961,14 +3933,14 @@
           <a:p>
             <a:pPr algn="ctr"/>
             <a:r>
-              <a:rPr lang="zh-CN" altLang="en-US" dirty="0" smtClean="0"/>
+              <a:rPr lang="zh-CN" altLang="en-US" dirty="0"/>
               <a:t>附件文档</a:t>
             </a:r>
             <a:r>
               <a:rPr lang="en-US" altLang="zh-CN" dirty="0"/>
               <a:t>2</a:t>
             </a:r>
-            <a:endParaRPr lang="zh-CN" altLang="en-US" dirty="0" smtClean="0"/>
+            <a:endParaRPr lang="zh-CN" altLang="en-US" dirty="0"/>
           </a:p>
           <a:p>
             <a:pPr algn="ctr"/>
@@ -4013,14 +3985,14 @@
           <a:p>
             <a:pPr algn="ctr"/>
             <a:r>
-              <a:rPr lang="zh-CN" altLang="en-US" dirty="0" smtClean="0"/>
+              <a:rPr lang="zh-CN" altLang="en-US" dirty="0"/>
               <a:t>附件文档</a:t>
             </a:r>
             <a:r>
               <a:rPr lang="en-US" altLang="zh-CN" dirty="0"/>
               <a:t>3</a:t>
             </a:r>
-            <a:endParaRPr lang="zh-CN" altLang="en-US" dirty="0" smtClean="0"/>
+            <a:endParaRPr lang="zh-CN" altLang="en-US" dirty="0"/>
           </a:p>
           <a:p>
             <a:pPr algn="ctr"/>
@@ -4065,10 +4037,9 @@
           <a:p>
             <a:pPr algn="ctr"/>
             <a:r>
-              <a:rPr lang="zh-CN" altLang="en-US" dirty="0" smtClean="0"/>
+              <a:rPr lang="zh-CN" altLang="en-US" dirty="0"/>
               <a:t>底部</a:t>
             </a:r>
-            <a:endParaRPr lang="zh-CN" altLang="en-US" dirty="0"/>
           </a:p>
         </p:txBody>
       </p:sp>
@@ -4109,10 +4080,10 @@
           <a:p>
             <a:pPr algn="ctr"/>
             <a:r>
-              <a:rPr lang="zh-CN" altLang="en-US" dirty="0" smtClean="0"/>
+              <a:rPr lang="zh-CN" altLang="en-US" dirty="0"/>
               <a:t>下载</a:t>
             </a:r>
-            <a:endParaRPr lang="en-US" altLang="zh-CN" dirty="0" smtClean="0"/>
+            <a:endParaRPr lang="en-US" altLang="zh-CN" dirty="0"/>
           </a:p>
           <a:p>
             <a:pPr algn="ctr"/>
@@ -4120,7 +4091,7 @@
               <a:rPr lang="zh-CN" altLang="en-US" dirty="0"/>
               <a:t>预览</a:t>
             </a:r>
-            <a:endParaRPr lang="en-US" altLang="zh-CN" dirty="0" smtClean="0"/>
+            <a:endParaRPr lang="en-US" altLang="zh-CN" dirty="0"/>
           </a:p>
           <a:p>
             <a:pPr algn="ctr"/>
@@ -4151,26 +4122,25 @@
           <a:lstStyle/>
           <a:p>
             <a:r>
-              <a:rPr lang="zh-CN" altLang="en-US" dirty="0" smtClean="0"/>
+              <a:rPr lang="zh-CN" altLang="en-US" dirty="0"/>
               <a:t>附件有标题</a:t>
             </a:r>
             <a:r>
-              <a:rPr lang="en-US" altLang="zh-CN" dirty="0" smtClean="0"/>
+              <a:rPr lang="en-US" altLang="zh-CN" dirty="0"/>
               <a:t>+</a:t>
             </a:r>
             <a:r>
-              <a:rPr lang="zh-CN" altLang="en-US" dirty="0" smtClean="0"/>
+              <a:rPr lang="zh-CN" altLang="en-US" dirty="0"/>
               <a:t>描述</a:t>
             </a:r>
             <a:r>
-              <a:rPr lang="en-US" altLang="zh-CN" dirty="0" smtClean="0"/>
+              <a:rPr lang="en-US" altLang="zh-CN" dirty="0"/>
               <a:t>+</a:t>
             </a:r>
             <a:r>
-              <a:rPr lang="zh-CN" altLang="en-US" dirty="0" smtClean="0"/>
+              <a:rPr lang="zh-CN" altLang="en-US" dirty="0"/>
               <a:t>文件三个属性，显示附件时，一开始只显示标题，点击标题可以看到内容</a:t>
             </a:r>
-            <a:endParaRPr lang="zh-CN" altLang="en-US" dirty="0"/>
           </a:p>
         </p:txBody>
       </p:sp>
@@ -4204,6 +4174,165 @@
           <a:chExt cx="0" cy="0"/>
         </a:xfrm>
       </p:grpSpPr>
+      <p:sp>
+        <p:nvSpPr>
+          <p:cNvPr id="2" name="文本框 1"/>
+          <p:cNvSpPr txBox="1"/>
+          <p:nvPr/>
+        </p:nvSpPr>
+        <p:spPr>
+          <a:xfrm>
+            <a:off x="266007" y="274320"/>
+            <a:ext cx="2510444" cy="369332"/>
+          </a:xfrm>
+          <a:prstGeom prst="rect">
+            <a:avLst/>
+          </a:prstGeom>
+          <a:noFill/>
+        </p:spPr>
+        <p:txBody>
+          <a:bodyPr wrap="square" rtlCol="0">
+            <a:spAutoFit/>
+          </a:bodyPr>
+          <a:lstStyle/>
+          <a:p>
+            <a:r>
+              <a:rPr lang="zh-CN" altLang="en-US" b="1" dirty="0"/>
+              <a:t>学生</a:t>
+            </a:r>
+            <a:r>
+              <a:rPr lang="zh-CN" altLang="en-US" dirty="0"/>
+              <a:t>课程中心</a:t>
+            </a:r>
+          </a:p>
+        </p:txBody>
+      </p:sp>
+      <p:sp>
+        <p:nvSpPr>
+          <p:cNvPr id="3" name="矩形 2"/>
+          <p:cNvSpPr/>
+          <p:nvPr/>
+        </p:nvSpPr>
+        <p:spPr>
+          <a:xfrm>
+            <a:off x="1695796" y="1072342"/>
+            <a:ext cx="9301942" cy="5386647"/>
+          </a:xfrm>
+          <a:prstGeom prst="rect">
+            <a:avLst/>
+          </a:prstGeom>
+        </p:spPr>
+        <p:style>
+          <a:lnRef idx="2">
+            <a:schemeClr val="accent1">
+              <a:shade val="50000"/>
+            </a:schemeClr>
+          </a:lnRef>
+          <a:fillRef idx="1">
+            <a:schemeClr val="accent1"/>
+          </a:fillRef>
+          <a:effectRef idx="0">
+            <a:schemeClr val="accent1"/>
+          </a:effectRef>
+          <a:fontRef idx="minor">
+            <a:schemeClr val="lt1"/>
+          </a:fontRef>
+        </p:style>
+        <p:txBody>
+          <a:bodyPr rtlCol="0" anchor="ctr"/>
+          <a:lstStyle/>
+          <a:p>
+            <a:pPr algn="ctr"/>
+            <a:endParaRPr lang="zh-CN" altLang="en-US"/>
+          </a:p>
+        </p:txBody>
+      </p:sp>
+      <p:sp>
+        <p:nvSpPr>
+          <p:cNvPr id="4" name="矩形 3"/>
+          <p:cNvSpPr/>
+          <p:nvPr/>
+        </p:nvSpPr>
+        <p:spPr>
+          <a:xfrm>
+            <a:off x="2468880" y="1338350"/>
+            <a:ext cx="7755774" cy="698269"/>
+          </a:xfrm>
+          <a:prstGeom prst="rect">
+            <a:avLst/>
+          </a:prstGeom>
+        </p:spPr>
+        <p:style>
+          <a:lnRef idx="2">
+            <a:schemeClr val="accent1">
+              <a:shade val="50000"/>
+            </a:schemeClr>
+          </a:lnRef>
+          <a:fillRef idx="1">
+            <a:schemeClr val="accent1"/>
+          </a:fillRef>
+          <a:effectRef idx="0">
+            <a:schemeClr val="accent1"/>
+          </a:effectRef>
+          <a:fontRef idx="minor">
+            <a:schemeClr val="lt1"/>
+          </a:fontRef>
+        </p:style>
+        <p:txBody>
+          <a:bodyPr rtlCol="0" anchor="ctr"/>
+          <a:lstStyle/>
+          <a:p>
+            <a:pPr algn="ctr"/>
+            <a:r>
+              <a:rPr lang="zh-CN" altLang="en-US" dirty="0"/>
+              <a:t>我的课程列表</a:t>
+            </a:r>
+          </a:p>
+        </p:txBody>
+      </p:sp>
+      <p:sp>
+        <p:nvSpPr>
+          <p:cNvPr id="5" name="矩形 4"/>
+          <p:cNvSpPr/>
+          <p:nvPr/>
+        </p:nvSpPr>
+        <p:spPr>
+          <a:xfrm>
+            <a:off x="2585258" y="2452255"/>
+            <a:ext cx="7531331" cy="3591098"/>
+          </a:xfrm>
+          <a:prstGeom prst="rect">
+            <a:avLst/>
+          </a:prstGeom>
+        </p:spPr>
+        <p:style>
+          <a:lnRef idx="2">
+            <a:schemeClr val="accent1">
+              <a:shade val="50000"/>
+            </a:schemeClr>
+          </a:lnRef>
+          <a:fillRef idx="1">
+            <a:schemeClr val="accent1"/>
+          </a:fillRef>
+          <a:effectRef idx="0">
+            <a:schemeClr val="accent1"/>
+          </a:effectRef>
+          <a:fontRef idx="minor">
+            <a:schemeClr val="lt1"/>
+          </a:fontRef>
+        </p:style>
+        <p:txBody>
+          <a:bodyPr rtlCol="0" anchor="ctr"/>
+          <a:lstStyle/>
+          <a:p>
+            <a:pPr algn="ctr"/>
+            <a:r>
+              <a:rPr lang="zh-CN" altLang="en-US" dirty="0"/>
+              <a:t>所有课程列表</a:t>
+            </a:r>
+          </a:p>
+        </p:txBody>
+      </p:sp>
     </p:spTree>
     <p:extLst>
       <p:ext uri="{BB962C8B-B14F-4D97-AF65-F5344CB8AC3E}">
@@ -4234,6 +4363,518 @@
           <a:chExt cx="0" cy="0"/>
         </a:xfrm>
       </p:grpSpPr>
+      <p:sp>
+        <p:nvSpPr>
+          <p:cNvPr id="2" name="文本框 1"/>
+          <p:cNvSpPr txBox="1"/>
+          <p:nvPr/>
+        </p:nvSpPr>
+        <p:spPr>
+          <a:xfrm>
+            <a:off x="266007" y="274320"/>
+            <a:ext cx="2510444" cy="646331"/>
+          </a:xfrm>
+          <a:prstGeom prst="rect">
+            <a:avLst/>
+          </a:prstGeom>
+          <a:noFill/>
+        </p:spPr>
+        <p:txBody>
+          <a:bodyPr wrap="square" rtlCol="0">
+            <a:spAutoFit/>
+          </a:bodyPr>
+          <a:lstStyle/>
+          <a:p>
+            <a:r>
+              <a:rPr lang="zh-CN" altLang="en-US" b="1" dirty="0"/>
+              <a:t>教师</a:t>
+            </a:r>
+            <a:r>
+              <a:rPr lang="zh-CN" altLang="en-US" dirty="0"/>
+              <a:t>课程中心：不分页，每行</a:t>
+            </a:r>
+            <a:r>
+              <a:rPr lang="en-US" altLang="zh-CN" dirty="0"/>
+              <a:t>4</a:t>
+            </a:r>
+            <a:r>
+              <a:rPr lang="zh-CN" altLang="en-US"/>
+              <a:t>个课程</a:t>
+            </a:r>
+            <a:endParaRPr lang="zh-CN" altLang="en-US" dirty="0"/>
+          </a:p>
+        </p:txBody>
+      </p:sp>
+      <p:sp>
+        <p:nvSpPr>
+          <p:cNvPr id="3" name="矩形 2"/>
+          <p:cNvSpPr/>
+          <p:nvPr/>
+        </p:nvSpPr>
+        <p:spPr>
+          <a:xfrm>
+            <a:off x="1695796" y="1072342"/>
+            <a:ext cx="9301942" cy="5386647"/>
+          </a:xfrm>
+          <a:prstGeom prst="rect">
+            <a:avLst/>
+          </a:prstGeom>
+        </p:spPr>
+        <p:style>
+          <a:lnRef idx="2">
+            <a:schemeClr val="accent1">
+              <a:shade val="50000"/>
+            </a:schemeClr>
+          </a:lnRef>
+          <a:fillRef idx="1">
+            <a:schemeClr val="accent1"/>
+          </a:fillRef>
+          <a:effectRef idx="0">
+            <a:schemeClr val="accent1"/>
+          </a:effectRef>
+          <a:fontRef idx="minor">
+            <a:schemeClr val="lt1"/>
+          </a:fontRef>
+        </p:style>
+        <p:txBody>
+          <a:bodyPr rtlCol="0" anchor="ctr"/>
+          <a:lstStyle/>
+          <a:p>
+            <a:pPr algn="ctr"/>
+            <a:endParaRPr lang="zh-CN" altLang="en-US"/>
+          </a:p>
+        </p:txBody>
+      </p:sp>
+      <p:sp>
+        <p:nvSpPr>
+          <p:cNvPr id="5" name="矩形 4"/>
+          <p:cNvSpPr/>
+          <p:nvPr/>
+        </p:nvSpPr>
+        <p:spPr>
+          <a:xfrm>
+            <a:off x="2655916" y="1970116"/>
+            <a:ext cx="7531331" cy="3591098"/>
+          </a:xfrm>
+          <a:prstGeom prst="rect">
+            <a:avLst/>
+          </a:prstGeom>
+        </p:spPr>
+        <p:style>
+          <a:lnRef idx="2">
+            <a:schemeClr val="accent1">
+              <a:shade val="50000"/>
+            </a:schemeClr>
+          </a:lnRef>
+          <a:fillRef idx="1">
+            <a:schemeClr val="accent1"/>
+          </a:fillRef>
+          <a:effectRef idx="0">
+            <a:schemeClr val="accent1"/>
+          </a:effectRef>
+          <a:fontRef idx="minor">
+            <a:schemeClr val="lt1"/>
+          </a:fontRef>
+        </p:style>
+        <p:txBody>
+          <a:bodyPr rtlCol="0" anchor="ctr"/>
+          <a:lstStyle/>
+          <a:p>
+            <a:pPr algn="ctr"/>
+            <a:r>
+              <a:rPr lang="zh-CN" altLang="en-US" dirty="0"/>
+              <a:t>我的课程列表</a:t>
+            </a:r>
+          </a:p>
+        </p:txBody>
+      </p:sp>
+    </p:spTree>
+    <p:extLst>
+      <p:ext uri="{BB962C8B-B14F-4D97-AF65-F5344CB8AC3E}">
+        <p14:creationId xmlns:p14="http://schemas.microsoft.com/office/powerpoint/2010/main" val="3175500172"/>
+      </p:ext>
+    </p:extLst>
+  </p:cSld>
+  <p:clrMapOvr>
+    <a:masterClrMapping/>
+  </p:clrMapOvr>
+</p:sld>
+</file>
+
+<file path=ppt/slides/slide6.xml><?xml version="1.0" encoding="utf-8"?>
+<p:sld xmlns:a="http://schemas.openxmlformats.org/drawingml/2006/main" xmlns:r="http://schemas.openxmlformats.org/officeDocument/2006/relationships" xmlns:p="http://schemas.openxmlformats.org/presentationml/2006/main">
+  <p:cSld>
+    <p:spTree>
+      <p:nvGrpSpPr>
+        <p:cNvPr id="1" name=""/>
+        <p:cNvGrpSpPr/>
+        <p:nvPr/>
+      </p:nvGrpSpPr>
+      <p:grpSpPr>
+        <a:xfrm>
+          <a:off x="0" y="0"/>
+          <a:ext cx="0" cy="0"/>
+          <a:chOff x="0" y="0"/>
+          <a:chExt cx="0" cy="0"/>
+        </a:xfrm>
+      </p:grpSpPr>
+      <p:sp>
+        <p:nvSpPr>
+          <p:cNvPr id="2" name="文本框 1"/>
+          <p:cNvSpPr txBox="1"/>
+          <p:nvPr/>
+        </p:nvSpPr>
+        <p:spPr>
+          <a:xfrm>
+            <a:off x="382385" y="244024"/>
+            <a:ext cx="2510444" cy="369332"/>
+          </a:xfrm>
+          <a:prstGeom prst="rect">
+            <a:avLst/>
+          </a:prstGeom>
+          <a:noFill/>
+        </p:spPr>
+        <p:txBody>
+          <a:bodyPr wrap="square" rtlCol="0">
+            <a:spAutoFit/>
+          </a:bodyPr>
+          <a:lstStyle/>
+          <a:p>
+            <a:r>
+              <a:rPr lang="zh-CN" altLang="en-US" dirty="0"/>
+              <a:t>点击单个课程进入详情</a:t>
+            </a:r>
+          </a:p>
+        </p:txBody>
+      </p:sp>
+      <p:sp>
+        <p:nvSpPr>
+          <p:cNvPr id="3" name="矩形 2"/>
+          <p:cNvSpPr/>
+          <p:nvPr/>
+        </p:nvSpPr>
+        <p:spPr>
+          <a:xfrm>
+            <a:off x="1695795" y="723208"/>
+            <a:ext cx="9301942" cy="5386647"/>
+          </a:xfrm>
+          <a:prstGeom prst="rect">
+            <a:avLst/>
+          </a:prstGeom>
+        </p:spPr>
+        <p:style>
+          <a:lnRef idx="2">
+            <a:schemeClr val="accent1">
+              <a:shade val="50000"/>
+            </a:schemeClr>
+          </a:lnRef>
+          <a:fillRef idx="1">
+            <a:schemeClr val="accent1"/>
+          </a:fillRef>
+          <a:effectRef idx="0">
+            <a:schemeClr val="accent1"/>
+          </a:effectRef>
+          <a:fontRef idx="minor">
+            <a:schemeClr val="lt1"/>
+          </a:fontRef>
+        </p:style>
+        <p:txBody>
+          <a:bodyPr rtlCol="0" anchor="ctr"/>
+          <a:lstStyle/>
+          <a:p>
+            <a:pPr algn="ctr"/>
+            <a:endParaRPr lang="zh-CN" altLang="en-US"/>
+          </a:p>
+        </p:txBody>
+      </p:sp>
+      <p:sp>
+        <p:nvSpPr>
+          <p:cNvPr id="5" name="矩形 4"/>
+          <p:cNvSpPr/>
+          <p:nvPr/>
+        </p:nvSpPr>
+        <p:spPr>
+          <a:xfrm>
+            <a:off x="2506280" y="1400500"/>
+            <a:ext cx="7531331" cy="623453"/>
+          </a:xfrm>
+          <a:prstGeom prst="rect">
+            <a:avLst/>
+          </a:prstGeom>
+        </p:spPr>
+        <p:style>
+          <a:lnRef idx="2">
+            <a:schemeClr val="accent1">
+              <a:shade val="50000"/>
+            </a:schemeClr>
+          </a:lnRef>
+          <a:fillRef idx="1">
+            <a:schemeClr val="accent1"/>
+          </a:fillRef>
+          <a:effectRef idx="0">
+            <a:schemeClr val="accent1"/>
+          </a:effectRef>
+          <a:fontRef idx="minor">
+            <a:schemeClr val="lt1"/>
+          </a:fontRef>
+        </p:style>
+        <p:txBody>
+          <a:bodyPr rtlCol="0" anchor="ctr"/>
+          <a:lstStyle/>
+          <a:p>
+            <a:pPr algn="ctr"/>
+            <a:r>
+              <a:rPr lang="zh-CN" altLang="en-US" dirty="0"/>
+              <a:t>首页轮转图片设置</a:t>
+            </a:r>
+          </a:p>
+        </p:txBody>
+      </p:sp>
+      <p:sp>
+        <p:nvSpPr>
+          <p:cNvPr id="6" name="矩形 5"/>
+          <p:cNvSpPr/>
+          <p:nvPr/>
+        </p:nvSpPr>
+        <p:spPr>
+          <a:xfrm>
+            <a:off x="2506281" y="2252652"/>
+            <a:ext cx="7531331" cy="623453"/>
+          </a:xfrm>
+          <a:prstGeom prst="rect">
+            <a:avLst/>
+          </a:prstGeom>
+        </p:spPr>
+        <p:style>
+          <a:lnRef idx="2">
+            <a:schemeClr val="accent1">
+              <a:shade val="50000"/>
+            </a:schemeClr>
+          </a:lnRef>
+          <a:fillRef idx="1">
+            <a:schemeClr val="accent1"/>
+          </a:fillRef>
+          <a:effectRef idx="0">
+            <a:schemeClr val="accent1"/>
+          </a:effectRef>
+          <a:fontRef idx="minor">
+            <a:schemeClr val="lt1"/>
+          </a:fontRef>
+        </p:style>
+        <p:txBody>
+          <a:bodyPr rtlCol="0" anchor="ctr"/>
+          <a:lstStyle/>
+          <a:p>
+            <a:pPr algn="ctr"/>
+            <a:r>
+              <a:rPr lang="zh-CN" altLang="en-US" dirty="0"/>
+              <a:t>首页消息设置</a:t>
+            </a:r>
+          </a:p>
+        </p:txBody>
+      </p:sp>
+      <p:sp>
+        <p:nvSpPr>
+          <p:cNvPr id="7" name="矩形 6"/>
+          <p:cNvSpPr/>
+          <p:nvPr/>
+        </p:nvSpPr>
+        <p:spPr>
+          <a:xfrm>
+            <a:off x="2506283" y="3104804"/>
+            <a:ext cx="7531331" cy="623453"/>
+          </a:xfrm>
+          <a:prstGeom prst="rect">
+            <a:avLst/>
+          </a:prstGeom>
+        </p:spPr>
+        <p:style>
+          <a:lnRef idx="2">
+            <a:schemeClr val="accent1">
+              <a:shade val="50000"/>
+            </a:schemeClr>
+          </a:lnRef>
+          <a:fillRef idx="1">
+            <a:schemeClr val="accent1"/>
+          </a:fillRef>
+          <a:effectRef idx="0">
+            <a:schemeClr val="accent1"/>
+          </a:effectRef>
+          <a:fontRef idx="minor">
+            <a:schemeClr val="lt1"/>
+          </a:fontRef>
+        </p:style>
+        <p:txBody>
+          <a:bodyPr rtlCol="0" anchor="ctr"/>
+          <a:lstStyle/>
+          <a:p>
+            <a:pPr algn="ctr"/>
+            <a:r>
+              <a:rPr lang="zh-CN" altLang="en-US" dirty="0"/>
+              <a:t>课程作业设置</a:t>
+            </a:r>
+          </a:p>
+        </p:txBody>
+      </p:sp>
+      <p:sp>
+        <p:nvSpPr>
+          <p:cNvPr id="8" name="矩形 7"/>
+          <p:cNvSpPr/>
+          <p:nvPr/>
+        </p:nvSpPr>
+        <p:spPr>
+          <a:xfrm>
+            <a:off x="2506282" y="3945374"/>
+            <a:ext cx="7531331" cy="623453"/>
+          </a:xfrm>
+          <a:prstGeom prst="rect">
+            <a:avLst/>
+          </a:prstGeom>
+        </p:spPr>
+        <p:style>
+          <a:lnRef idx="2">
+            <a:schemeClr val="accent1">
+              <a:shade val="50000"/>
+            </a:schemeClr>
+          </a:lnRef>
+          <a:fillRef idx="1">
+            <a:schemeClr val="accent1"/>
+          </a:fillRef>
+          <a:effectRef idx="0">
+            <a:schemeClr val="accent1"/>
+          </a:effectRef>
+          <a:fontRef idx="minor">
+            <a:schemeClr val="lt1"/>
+          </a:fontRef>
+        </p:style>
+        <p:txBody>
+          <a:bodyPr rtlCol="0" anchor="ctr"/>
+          <a:lstStyle/>
+          <a:p>
+            <a:pPr algn="ctr"/>
+            <a:r>
+              <a:rPr lang="zh-CN" altLang="en-US" dirty="0"/>
+              <a:t>课程资源设置</a:t>
+            </a:r>
+          </a:p>
+        </p:txBody>
+      </p:sp>
+      <p:sp>
+        <p:nvSpPr>
+          <p:cNvPr id="9" name="矩形 8"/>
+          <p:cNvSpPr/>
+          <p:nvPr/>
+        </p:nvSpPr>
+        <p:spPr>
+          <a:xfrm>
+            <a:off x="2506284" y="4730927"/>
+            <a:ext cx="7531331" cy="623453"/>
+          </a:xfrm>
+          <a:prstGeom prst="rect">
+            <a:avLst/>
+          </a:prstGeom>
+        </p:spPr>
+        <p:style>
+          <a:lnRef idx="2">
+            <a:schemeClr val="accent1">
+              <a:shade val="50000"/>
+            </a:schemeClr>
+          </a:lnRef>
+          <a:fillRef idx="1">
+            <a:schemeClr val="accent1"/>
+          </a:fillRef>
+          <a:effectRef idx="0">
+            <a:schemeClr val="accent1"/>
+          </a:effectRef>
+          <a:fontRef idx="minor">
+            <a:schemeClr val="lt1"/>
+          </a:fontRef>
+        </p:style>
+        <p:txBody>
+          <a:bodyPr rtlCol="0" anchor="ctr"/>
+          <a:lstStyle/>
+          <a:p>
+            <a:pPr algn="ctr"/>
+            <a:r>
+              <a:rPr lang="zh-CN" altLang="en-US" dirty="0"/>
+              <a:t>课程视频设置</a:t>
+            </a:r>
+          </a:p>
+        </p:txBody>
+      </p:sp>
+      <p:sp>
+        <p:nvSpPr>
+          <p:cNvPr id="4" name="矩形 3"/>
+          <p:cNvSpPr/>
+          <p:nvPr/>
+        </p:nvSpPr>
+        <p:spPr>
+          <a:xfrm>
+            <a:off x="9060873" y="856211"/>
+            <a:ext cx="1704109" cy="332509"/>
+          </a:xfrm>
+          <a:prstGeom prst="rect">
+            <a:avLst/>
+          </a:prstGeom>
+        </p:spPr>
+        <p:style>
+          <a:lnRef idx="2">
+            <a:schemeClr val="accent1">
+              <a:shade val="50000"/>
+            </a:schemeClr>
+          </a:lnRef>
+          <a:fillRef idx="1">
+            <a:schemeClr val="accent1"/>
+          </a:fillRef>
+          <a:effectRef idx="0">
+            <a:schemeClr val="accent1"/>
+          </a:effectRef>
+          <a:fontRef idx="minor">
+            <a:schemeClr val="lt1"/>
+          </a:fontRef>
+        </p:style>
+        <p:txBody>
+          <a:bodyPr rtlCol="0" anchor="ctr"/>
+          <a:lstStyle/>
+          <a:p>
+            <a:pPr algn="ctr"/>
+            <a:r>
+              <a:rPr lang="zh-CN" altLang="en-US" dirty="0"/>
+              <a:t>课程参与同学</a:t>
+            </a:r>
+          </a:p>
+        </p:txBody>
+      </p:sp>
+    </p:spTree>
+    <p:extLst>
+      <p:ext uri="{BB962C8B-B14F-4D97-AF65-F5344CB8AC3E}">
+        <p14:creationId xmlns:p14="http://schemas.microsoft.com/office/powerpoint/2010/main" val="650527064"/>
+      </p:ext>
+    </p:extLst>
+  </p:cSld>
+  <p:clrMapOvr>
+    <a:masterClrMapping/>
+  </p:clrMapOvr>
+</p:sld>
+</file>
+
+<file path=ppt/slides/slide7.xml><?xml version="1.0" encoding="utf-8"?>
+<p:sld xmlns:a="http://schemas.openxmlformats.org/drawingml/2006/main" xmlns:r="http://schemas.openxmlformats.org/officeDocument/2006/relationships" xmlns:p="http://schemas.openxmlformats.org/presentationml/2006/main">
+  <p:cSld>
+    <p:spTree>
+      <p:nvGrpSpPr>
+        <p:cNvPr id="1" name=""/>
+        <p:cNvGrpSpPr/>
+        <p:nvPr/>
+      </p:nvGrpSpPr>
+      <p:grpSpPr>
+        <a:xfrm>
+          <a:off x="0" y="0"/>
+          <a:ext cx="0" cy="0"/>
+          <a:chOff x="0" y="0"/>
+          <a:chExt cx="0" cy="0"/>
+        </a:xfrm>
+      </p:grpSpPr>
     </p:spTree>
     <p:extLst>
       <p:ext uri="{BB962C8B-B14F-4D97-AF65-F5344CB8AC3E}">
@@ -4247,7 +4888,7 @@
 </p:sld>
 </file>
 
-<file path=ppt/slides/slide6.xml><?xml version="1.0" encoding="utf-8"?>
+<file path=ppt/slides/slide8.xml><?xml version="1.0" encoding="utf-8"?>
 <p:sld xmlns:a="http://schemas.openxmlformats.org/drawingml/2006/main" xmlns:r="http://schemas.openxmlformats.org/officeDocument/2006/relationships" xmlns:p="http://schemas.openxmlformats.org/presentationml/2006/main">
   <p:cSld>
     <p:spTree>
